--- a/Class 1.pptx
+++ b/Class 1.pptx
@@ -5,7 +5,7 @@
     <p:sldMasterId id="2147483648" r:id="rId1"/>
   </p:sldMasterIdLst>
   <p:notesMasterIdLst>
-    <p:notesMasterId r:id="rId14"/>
+    <p:notesMasterId r:id="rId24"/>
   </p:notesMasterIdLst>
   <p:sldIdLst>
     <p:sldId id="256" r:id="rId2"/>
@@ -20,6 +20,16 @@
     <p:sldId id="264" r:id="rId11"/>
     <p:sldId id="265" r:id="rId12"/>
     <p:sldId id="266" r:id="rId13"/>
+    <p:sldId id="269" r:id="rId14"/>
+    <p:sldId id="270" r:id="rId15"/>
+    <p:sldId id="271" r:id="rId16"/>
+    <p:sldId id="272" r:id="rId17"/>
+    <p:sldId id="273" r:id="rId18"/>
+    <p:sldId id="274" r:id="rId19"/>
+    <p:sldId id="276" r:id="rId20"/>
+    <p:sldId id="275" r:id="rId21"/>
+    <p:sldId id="277" r:id="rId22"/>
+    <p:sldId id="278" r:id="rId23"/>
   </p:sldIdLst>
   <p:sldSz cx="12192000" cy="6858000"/>
   <p:notesSz cx="6858000" cy="9144000"/>
@@ -4957,6 +4967,1131 @@
 </p:sld>
 </file>
 
+<file path=ppt/slides/slide13.xml><?xml version="1.0" encoding="utf-8"?>
+<p:sld xmlns:a="http://schemas.openxmlformats.org/drawingml/2006/main" xmlns:r="http://schemas.openxmlformats.org/officeDocument/2006/relationships" xmlns:p="http://schemas.openxmlformats.org/presentationml/2006/main">
+  <p:cSld>
+    <p:spTree>
+      <p:nvGrpSpPr>
+        <p:cNvPr id="1" name=""/>
+        <p:cNvGrpSpPr/>
+        <p:nvPr/>
+      </p:nvGrpSpPr>
+      <p:grpSpPr>
+        <a:xfrm>
+          <a:off x="0" y="0"/>
+          <a:ext cx="0" cy="0"/>
+          <a:chOff x="0" y="0"/>
+          <a:chExt cx="0" cy="0"/>
+        </a:xfrm>
+      </p:grpSpPr>
+      <p:sp>
+        <p:nvSpPr>
+          <p:cNvPr id="2" name="Title 1"/>
+          <p:cNvSpPr>
+            <a:spLocks noGrp="1"/>
+          </p:cNvSpPr>
+          <p:nvPr>
+            <p:ph type="title"/>
+          </p:nvPr>
+        </p:nvSpPr>
+        <p:spPr/>
+        <p:txBody>
+          <a:bodyPr/>
+          <a:lstStyle/>
+          <a:p>
+            <a:r>
+              <a:rPr lang="en-US" dirty="0" smtClean="0"/>
+              <a:t>Grid</a:t>
+            </a:r>
+            <a:endParaRPr lang="en-US" dirty="0"/>
+          </a:p>
+        </p:txBody>
+      </p:sp>
+      <p:pic>
+        <p:nvPicPr>
+          <p:cNvPr id="5" name="Content Placeholder 4"/>
+          <p:cNvPicPr>
+            <a:picLocks noGrp="1" noChangeAspect="1"/>
+          </p:cNvPicPr>
+          <p:nvPr>
+            <p:ph idx="1"/>
+          </p:nvPr>
+        </p:nvPicPr>
+        <p:blipFill>
+          <a:blip r:embed="rId2">
+            <a:extLst>
+              <a:ext uri="{28A0092B-C50C-407E-A947-70E740481C1C}">
+                <a14:useLocalDpi xmlns:a14="http://schemas.microsoft.com/office/drawing/2010/main" val="0"/>
+              </a:ext>
+            </a:extLst>
+          </a:blip>
+          <a:stretch>
+            <a:fillRect/>
+          </a:stretch>
+        </p:blipFill>
+        <p:spPr>
+          <a:xfrm>
+            <a:off x="2959100" y="685800"/>
+            <a:ext cx="8521700" cy="6053221"/>
+          </a:xfrm>
+        </p:spPr>
+      </p:pic>
+    </p:spTree>
+    <p:extLst>
+      <p:ext uri="{BB962C8B-B14F-4D97-AF65-F5344CB8AC3E}">
+        <p14:creationId xmlns:p14="http://schemas.microsoft.com/office/powerpoint/2010/main" val="283852541"/>
+      </p:ext>
+    </p:extLst>
+  </p:cSld>
+  <p:clrMapOvr>
+    <a:masterClrMapping/>
+  </p:clrMapOvr>
+</p:sld>
+</file>
+
+<file path=ppt/slides/slide14.xml><?xml version="1.0" encoding="utf-8"?>
+<p:sld xmlns:a="http://schemas.openxmlformats.org/drawingml/2006/main" xmlns:r="http://schemas.openxmlformats.org/officeDocument/2006/relationships" xmlns:p="http://schemas.openxmlformats.org/presentationml/2006/main">
+  <p:cSld>
+    <p:bg>
+      <p:bgPr>
+        <a:solidFill>
+          <a:schemeClr val="bg2"/>
+        </a:solidFill>
+        <a:effectLst/>
+      </p:bgPr>
+    </p:bg>
+    <p:spTree>
+      <p:nvGrpSpPr>
+        <p:cNvPr id="1" name=""/>
+        <p:cNvGrpSpPr/>
+        <p:nvPr/>
+      </p:nvGrpSpPr>
+      <p:grpSpPr>
+        <a:xfrm>
+          <a:off x="0" y="0"/>
+          <a:ext cx="0" cy="0"/>
+          <a:chOff x="0" y="0"/>
+          <a:chExt cx="0" cy="0"/>
+        </a:xfrm>
+      </p:grpSpPr>
+      <p:sp>
+        <p:nvSpPr>
+          <p:cNvPr id="9" name="Rectangle 8"/>
+          <p:cNvSpPr>
+            <a:spLocks noGrp="1" noRot="1" noChangeAspect="1" noMove="1" noResize="1" noEditPoints="1" noAdjustHandles="1" noChangeArrowheads="1" noChangeShapeType="1" noTextEdit="1"/>
+          </p:cNvSpPr>
+          <p:nvPr>
+            <p:extLst>
+              <p:ext uri="{386F3935-93C4-4BCD-93E2-E3B085C9AB24}">
+                <p16:designElem xmlns:p16="http://schemas.microsoft.com/office/powerpoint/2015/main" val="1"/>
+              </p:ext>
+            </p:extLst>
+          </p:nvPr>
+        </p:nvSpPr>
+        <p:spPr bwMode="white">
+          <a:xfrm>
+            <a:off x="0" y="0"/>
+            <a:ext cx="12192000" cy="6858000"/>
+          </a:xfrm>
+          <a:prstGeom prst="rect">
+            <a:avLst/>
+          </a:prstGeom>
+          <a:solidFill>
+            <a:schemeClr val="bg2"/>
+          </a:solidFill>
+          <a:effectLst/>
+        </p:spPr>
+      </p:sp>
+      <p:sp>
+        <p:nvSpPr>
+          <p:cNvPr id="11" name="Rectangle 10" title="Side bar"/>
+          <p:cNvSpPr>
+            <a:spLocks noGrp="1" noRot="1" noChangeAspect="1" noMove="1" noResize="1" noEditPoints="1" noAdjustHandles="1" noChangeArrowheads="1" noChangeShapeType="1" noTextEdit="1"/>
+          </p:cNvSpPr>
+          <p:nvPr>
+            <p:extLst>
+              <p:ext uri="{386F3935-93C4-4BCD-93E2-E3B085C9AB24}">
+                <p16:designElem xmlns:p16="http://schemas.microsoft.com/office/powerpoint/2015/main" val="1"/>
+              </p:ext>
+            </p:extLst>
+          </p:nvPr>
+        </p:nvSpPr>
+        <p:spPr>
+          <a:xfrm>
+            <a:off x="478095" y="376"/>
+            <a:ext cx="228600" cy="6858000"/>
+          </a:xfrm>
+          <a:prstGeom prst="rect">
+            <a:avLst/>
+          </a:prstGeom>
+          <a:solidFill>
+            <a:schemeClr val="tx2"/>
+          </a:solidFill>
+          <a:ln>
+            <a:noFill/>
+          </a:ln>
+        </p:spPr>
+        <p:style>
+          <a:lnRef idx="2">
+            <a:schemeClr val="accent1">
+              <a:shade val="50000"/>
+            </a:schemeClr>
+          </a:lnRef>
+          <a:fillRef idx="1">
+            <a:schemeClr val="accent1"/>
+          </a:fillRef>
+          <a:effectRef idx="0">
+            <a:schemeClr val="accent1"/>
+          </a:effectRef>
+          <a:fontRef idx="minor">
+            <a:schemeClr val="lt1"/>
+          </a:fontRef>
+        </p:style>
+      </p:sp>
+      <p:sp>
+        <p:nvSpPr>
+          <p:cNvPr id="13" name="Rectangle 12"/>
+          <p:cNvSpPr>
+            <a:spLocks noGrp="1" noRot="1" noChangeAspect="1" noMove="1" noResize="1" noEditPoints="1" noAdjustHandles="1" noChangeArrowheads="1" noChangeShapeType="1" noTextEdit="1"/>
+          </p:cNvSpPr>
+          <p:nvPr>
+            <p:extLst>
+              <p:ext uri="{386F3935-93C4-4BCD-93E2-E3B085C9AB24}">
+                <p16:designElem xmlns:p16="http://schemas.microsoft.com/office/powerpoint/2015/main" val="1"/>
+              </p:ext>
+            </p:extLst>
+          </p:nvPr>
+        </p:nvSpPr>
+        <p:spPr>
+          <a:xfrm>
+            <a:off x="0" y="0"/>
+            <a:ext cx="12192000" cy="6858000"/>
+          </a:xfrm>
+          <a:prstGeom prst="rect">
+            <a:avLst/>
+          </a:prstGeom>
+          <a:solidFill>
+            <a:schemeClr val="bg2"/>
+          </a:solidFill>
+          <a:ln>
+            <a:noFill/>
+          </a:ln>
+        </p:spPr>
+        <p:style>
+          <a:lnRef idx="2">
+            <a:schemeClr val="accent1">
+              <a:shade val="50000"/>
+            </a:schemeClr>
+          </a:lnRef>
+          <a:fillRef idx="1">
+            <a:schemeClr val="accent1"/>
+          </a:fillRef>
+          <a:effectRef idx="0">
+            <a:schemeClr val="accent1"/>
+          </a:effectRef>
+          <a:fontRef idx="minor">
+            <a:schemeClr val="lt1"/>
+          </a:fontRef>
+        </p:style>
+        <p:txBody>
+          <a:bodyPr rtlCol="0" anchor="ctr"/>
+          <a:lstStyle/>
+          <a:p>
+            <a:pPr algn="ctr"/>
+            <a:endParaRPr lang="en-US"/>
+          </a:p>
+        </p:txBody>
+      </p:sp>
+      <p:sp>
+        <p:nvSpPr>
+          <p:cNvPr id="15" name="Freeform 6" title="Crop Mark"/>
+          <p:cNvSpPr>
+            <a:spLocks noGrp="1" noRot="1" noChangeAspect="1" noMove="1" noResize="1" noEditPoints="1" noAdjustHandles="1" noChangeArrowheads="1" noChangeShapeType="1" noTextEdit="1"/>
+          </p:cNvSpPr>
+          <p:nvPr>
+            <p:extLst>
+              <p:ext uri="{386F3935-93C4-4BCD-93E2-E3B085C9AB24}">
+                <p16:designElem xmlns:p16="http://schemas.microsoft.com/office/powerpoint/2015/main" val="1"/>
+              </p:ext>
+            </p:extLst>
+          </p:nvPr>
+        </p:nvSpPr>
+        <p:spPr bwMode="auto">
+          <a:xfrm>
+            <a:off x="8038446" y="1749415"/>
+            <a:ext cx="3275013" cy="4408488"/>
+          </a:xfrm>
+          <a:custGeom>
+            <a:avLst/>
+            <a:gdLst/>
+            <a:ahLst/>
+            <a:cxnLst/>
+            <a:rect l="0" t="0" r="r" b="b"/>
+            <a:pathLst>
+              <a:path w="4125" h="5554">
+                <a:moveTo>
+                  <a:pt x="3614" y="0"/>
+                </a:moveTo>
+                <a:lnTo>
+                  <a:pt x="4125" y="0"/>
+                </a:lnTo>
+                <a:lnTo>
+                  <a:pt x="4125" y="5554"/>
+                </a:lnTo>
+                <a:lnTo>
+                  <a:pt x="0" y="5554"/>
+                </a:lnTo>
+                <a:lnTo>
+                  <a:pt x="0" y="5074"/>
+                </a:lnTo>
+                <a:lnTo>
+                  <a:pt x="3614" y="5074"/>
+                </a:lnTo>
+                <a:lnTo>
+                  <a:pt x="3614" y="0"/>
+                </a:lnTo>
+                <a:close/>
+              </a:path>
+            </a:pathLst>
+          </a:custGeom>
+          <a:solidFill>
+            <a:schemeClr val="tx2"/>
+          </a:solidFill>
+          <a:ln w="0">
+            <a:noFill/>
+            <a:prstDash val="solid"/>
+            <a:round/>
+            <a:headEnd/>
+            <a:tailEnd/>
+          </a:ln>
+        </p:spPr>
+      </p:sp>
+      <p:sp>
+        <p:nvSpPr>
+          <p:cNvPr id="17" name="Rectangle 16"/>
+          <p:cNvSpPr>
+            <a:spLocks noGrp="1" noRot="1" noChangeAspect="1" noMove="1" noResize="1" noEditPoints="1" noAdjustHandles="1" noChangeArrowheads="1" noChangeShapeType="1" noTextEdit="1"/>
+          </p:cNvSpPr>
+          <p:nvPr>
+            <p:extLst>
+              <p:ext uri="{386F3935-93C4-4BCD-93E2-E3B085C9AB24}">
+                <p16:designElem xmlns:p16="http://schemas.microsoft.com/office/powerpoint/2015/main" val="1"/>
+              </p:ext>
+            </p:extLst>
+          </p:nvPr>
+        </p:nvSpPr>
+        <p:spPr>
+          <a:xfrm>
+            <a:off x="160868" y="160867"/>
+            <a:ext cx="10908160" cy="5776857"/>
+          </a:xfrm>
+          <a:prstGeom prst="rect">
+            <a:avLst/>
+          </a:prstGeom>
+          <a:solidFill>
+            <a:srgbClr val="FFFFFF"/>
+          </a:solidFill>
+          <a:ln>
+            <a:noFill/>
+          </a:ln>
+        </p:spPr>
+        <p:style>
+          <a:lnRef idx="2">
+            <a:schemeClr val="accent1">
+              <a:shade val="50000"/>
+            </a:schemeClr>
+          </a:lnRef>
+          <a:fillRef idx="1">
+            <a:schemeClr val="accent1"/>
+          </a:fillRef>
+          <a:effectRef idx="0">
+            <a:schemeClr val="accent1"/>
+          </a:effectRef>
+          <a:fontRef idx="minor">
+            <a:schemeClr val="lt1"/>
+          </a:fontRef>
+        </p:style>
+        <p:txBody>
+          <a:bodyPr rtlCol="0" anchor="ctr"/>
+          <a:lstStyle/>
+          <a:p>
+            <a:pPr algn="ctr"/>
+            <a:endParaRPr lang="en-US"/>
+          </a:p>
+        </p:txBody>
+      </p:sp>
+      <p:pic>
+        <p:nvPicPr>
+          <p:cNvPr id="4" name="Content Placeholder 3"/>
+          <p:cNvPicPr>
+            <a:picLocks noGrp="1" noChangeAspect="1"/>
+          </p:cNvPicPr>
+          <p:nvPr>
+            <p:ph idx="1"/>
+          </p:nvPr>
+        </p:nvPicPr>
+        <p:blipFill>
+          <a:blip r:embed="rId2">
+            <a:extLst>
+              <a:ext uri="{28A0092B-C50C-407E-A947-70E740481C1C}">
+                <a14:useLocalDpi xmlns:a14="http://schemas.microsoft.com/office/drawing/2010/main" val="0"/>
+              </a:ext>
+            </a:extLst>
+          </a:blip>
+          <a:stretch>
+            <a:fillRect/>
+          </a:stretch>
+        </p:blipFill>
+        <p:spPr>
+          <a:xfrm>
+            <a:off x="861530" y="508783"/>
+            <a:ext cx="9506832" cy="5081025"/>
+          </a:xfrm>
+          <a:prstGeom prst="rect">
+            <a:avLst/>
+          </a:prstGeom>
+        </p:spPr>
+      </p:pic>
+    </p:spTree>
+    <p:extLst>
+      <p:ext uri="{BB962C8B-B14F-4D97-AF65-F5344CB8AC3E}">
+        <p14:creationId xmlns:p14="http://schemas.microsoft.com/office/powerpoint/2010/main" val="1886173320"/>
+      </p:ext>
+    </p:extLst>
+  </p:cSld>
+  <p:clrMapOvr>
+    <a:masterClrMapping/>
+  </p:clrMapOvr>
+</p:sld>
+</file>
+
+<file path=ppt/slides/slide15.xml><?xml version="1.0" encoding="utf-8"?>
+<p:sld xmlns:a="http://schemas.openxmlformats.org/drawingml/2006/main" xmlns:r="http://schemas.openxmlformats.org/officeDocument/2006/relationships" xmlns:p="http://schemas.openxmlformats.org/presentationml/2006/main">
+  <p:cSld>
+    <p:spTree>
+      <p:nvGrpSpPr>
+        <p:cNvPr id="1" name=""/>
+        <p:cNvGrpSpPr/>
+        <p:nvPr/>
+      </p:nvGrpSpPr>
+      <p:grpSpPr>
+        <a:xfrm>
+          <a:off x="0" y="0"/>
+          <a:ext cx="0" cy="0"/>
+          <a:chOff x="0" y="0"/>
+          <a:chExt cx="0" cy="0"/>
+        </a:xfrm>
+      </p:grpSpPr>
+      <p:sp>
+        <p:nvSpPr>
+          <p:cNvPr id="2" name="Title 1"/>
+          <p:cNvSpPr>
+            <a:spLocks noGrp="1"/>
+          </p:cNvSpPr>
+          <p:nvPr>
+            <p:ph type="title"/>
+          </p:nvPr>
+        </p:nvSpPr>
+        <p:spPr/>
+        <p:txBody>
+          <a:bodyPr/>
+          <a:lstStyle/>
+          <a:p>
+            <a:r>
+              <a:rPr lang="en-US" dirty="0" err="1" smtClean="0"/>
+              <a:t>NavBar</a:t>
+            </a:r>
+            <a:endParaRPr lang="en-US" dirty="0"/>
+          </a:p>
+        </p:txBody>
+      </p:sp>
+      <p:pic>
+        <p:nvPicPr>
+          <p:cNvPr id="5" name="Content Placeholder 4"/>
+          <p:cNvPicPr>
+            <a:picLocks noGrp="1" noChangeAspect="1"/>
+          </p:cNvPicPr>
+          <p:nvPr>
+            <p:ph sz="half" idx="1"/>
+          </p:nvPr>
+        </p:nvPicPr>
+        <p:blipFill>
+          <a:blip r:embed="rId2">
+            <a:extLst>
+              <a:ext uri="{28A0092B-C50C-407E-A947-70E740481C1C}">
+                <a14:useLocalDpi xmlns:a14="http://schemas.microsoft.com/office/drawing/2010/main" val="0"/>
+              </a:ext>
+            </a:extLst>
+          </a:blip>
+          <a:stretch>
+            <a:fillRect/>
+          </a:stretch>
+        </p:blipFill>
+        <p:spPr>
+          <a:xfrm>
+            <a:off x="5168900" y="260701"/>
+            <a:ext cx="6919349" cy="3981099"/>
+          </a:xfrm>
+        </p:spPr>
+      </p:pic>
+      <p:pic>
+        <p:nvPicPr>
+          <p:cNvPr id="6" name="Content Placeholder 5"/>
+          <p:cNvPicPr>
+            <a:picLocks noGrp="1" noChangeAspect="1"/>
+          </p:cNvPicPr>
+          <p:nvPr>
+            <p:ph sz="half" idx="2"/>
+          </p:nvPr>
+        </p:nvPicPr>
+        <p:blipFill>
+          <a:blip r:embed="rId3">
+            <a:extLst>
+              <a:ext uri="{28A0092B-C50C-407E-A947-70E740481C1C}">
+                <a14:useLocalDpi xmlns:a14="http://schemas.microsoft.com/office/drawing/2010/main" val="0"/>
+              </a:ext>
+            </a:extLst>
+          </a:blip>
+          <a:stretch>
+            <a:fillRect/>
+          </a:stretch>
+        </p:blipFill>
+        <p:spPr>
+          <a:xfrm>
+            <a:off x="964589" y="3467100"/>
+            <a:ext cx="6782411" cy="3148976"/>
+          </a:xfrm>
+        </p:spPr>
+      </p:pic>
+    </p:spTree>
+    <p:extLst>
+      <p:ext uri="{BB962C8B-B14F-4D97-AF65-F5344CB8AC3E}">
+        <p14:creationId xmlns:p14="http://schemas.microsoft.com/office/powerpoint/2010/main" val="1908875873"/>
+      </p:ext>
+    </p:extLst>
+  </p:cSld>
+  <p:clrMapOvr>
+    <a:masterClrMapping/>
+  </p:clrMapOvr>
+</p:sld>
+</file>
+
+<file path=ppt/slides/slide16.xml><?xml version="1.0" encoding="utf-8"?>
+<p:sld xmlns:a="http://schemas.openxmlformats.org/drawingml/2006/main" xmlns:r="http://schemas.openxmlformats.org/officeDocument/2006/relationships" xmlns:p="http://schemas.openxmlformats.org/presentationml/2006/main">
+  <p:cSld>
+    <p:bg>
+      <p:bgPr>
+        <a:solidFill>
+          <a:schemeClr val="bg2"/>
+        </a:solidFill>
+        <a:effectLst/>
+      </p:bgPr>
+    </p:bg>
+    <p:spTree>
+      <p:nvGrpSpPr>
+        <p:cNvPr id="1" name=""/>
+        <p:cNvGrpSpPr/>
+        <p:nvPr/>
+      </p:nvGrpSpPr>
+      <p:grpSpPr>
+        <a:xfrm>
+          <a:off x="0" y="0"/>
+          <a:ext cx="0" cy="0"/>
+          <a:chOff x="0" y="0"/>
+          <a:chExt cx="0" cy="0"/>
+        </a:xfrm>
+      </p:grpSpPr>
+      <p:sp>
+        <p:nvSpPr>
+          <p:cNvPr id="9" name="Rectangle 8"/>
+          <p:cNvSpPr>
+            <a:spLocks noGrp="1" noRot="1" noChangeAspect="1" noMove="1" noResize="1" noEditPoints="1" noAdjustHandles="1" noChangeArrowheads="1" noChangeShapeType="1" noTextEdit="1"/>
+          </p:cNvSpPr>
+          <p:nvPr>
+            <p:extLst>
+              <p:ext uri="{386F3935-93C4-4BCD-93E2-E3B085C9AB24}">
+                <p16:designElem xmlns:p16="http://schemas.microsoft.com/office/powerpoint/2015/main" val="1"/>
+              </p:ext>
+            </p:extLst>
+          </p:nvPr>
+        </p:nvSpPr>
+        <p:spPr bwMode="white">
+          <a:xfrm>
+            <a:off x="0" y="0"/>
+            <a:ext cx="12192000" cy="6858000"/>
+          </a:xfrm>
+          <a:prstGeom prst="rect">
+            <a:avLst/>
+          </a:prstGeom>
+          <a:solidFill>
+            <a:schemeClr val="bg2"/>
+          </a:solidFill>
+          <a:effectLst/>
+        </p:spPr>
+      </p:sp>
+      <p:sp>
+        <p:nvSpPr>
+          <p:cNvPr id="11" name="Rectangle 10" title="Side bar"/>
+          <p:cNvSpPr>
+            <a:spLocks noGrp="1" noRot="1" noChangeAspect="1" noMove="1" noResize="1" noEditPoints="1" noAdjustHandles="1" noChangeArrowheads="1" noChangeShapeType="1" noTextEdit="1"/>
+          </p:cNvSpPr>
+          <p:nvPr>
+            <p:extLst>
+              <p:ext uri="{386F3935-93C4-4BCD-93E2-E3B085C9AB24}">
+                <p16:designElem xmlns:p16="http://schemas.microsoft.com/office/powerpoint/2015/main" val="1"/>
+              </p:ext>
+            </p:extLst>
+          </p:nvPr>
+        </p:nvSpPr>
+        <p:spPr>
+          <a:xfrm>
+            <a:off x="478095" y="376"/>
+            <a:ext cx="228600" cy="6858000"/>
+          </a:xfrm>
+          <a:prstGeom prst="rect">
+            <a:avLst/>
+          </a:prstGeom>
+          <a:solidFill>
+            <a:schemeClr val="tx2"/>
+          </a:solidFill>
+          <a:ln>
+            <a:noFill/>
+          </a:ln>
+        </p:spPr>
+        <p:style>
+          <a:lnRef idx="2">
+            <a:schemeClr val="accent1">
+              <a:shade val="50000"/>
+            </a:schemeClr>
+          </a:lnRef>
+          <a:fillRef idx="1">
+            <a:schemeClr val="accent1"/>
+          </a:fillRef>
+          <a:effectRef idx="0">
+            <a:schemeClr val="accent1"/>
+          </a:effectRef>
+          <a:fontRef idx="minor">
+            <a:schemeClr val="lt1"/>
+          </a:fontRef>
+        </p:style>
+      </p:sp>
+      <p:sp>
+        <p:nvSpPr>
+          <p:cNvPr id="13" name="Rectangle 12"/>
+          <p:cNvSpPr>
+            <a:spLocks noGrp="1" noRot="1" noChangeAspect="1" noMove="1" noResize="1" noEditPoints="1" noAdjustHandles="1" noChangeArrowheads="1" noChangeShapeType="1" noTextEdit="1"/>
+          </p:cNvSpPr>
+          <p:nvPr>
+            <p:extLst>
+              <p:ext uri="{386F3935-93C4-4BCD-93E2-E3B085C9AB24}">
+                <p16:designElem xmlns:p16="http://schemas.microsoft.com/office/powerpoint/2015/main" val="1"/>
+              </p:ext>
+            </p:extLst>
+          </p:nvPr>
+        </p:nvSpPr>
+        <p:spPr>
+          <a:xfrm>
+            <a:off x="0" y="0"/>
+            <a:ext cx="12192000" cy="6858000"/>
+          </a:xfrm>
+          <a:prstGeom prst="rect">
+            <a:avLst/>
+          </a:prstGeom>
+          <a:solidFill>
+            <a:schemeClr val="bg2"/>
+          </a:solidFill>
+          <a:ln>
+            <a:noFill/>
+          </a:ln>
+        </p:spPr>
+        <p:style>
+          <a:lnRef idx="2">
+            <a:schemeClr val="accent1">
+              <a:shade val="50000"/>
+            </a:schemeClr>
+          </a:lnRef>
+          <a:fillRef idx="1">
+            <a:schemeClr val="accent1"/>
+          </a:fillRef>
+          <a:effectRef idx="0">
+            <a:schemeClr val="accent1"/>
+          </a:effectRef>
+          <a:fontRef idx="minor">
+            <a:schemeClr val="lt1"/>
+          </a:fontRef>
+        </p:style>
+        <p:txBody>
+          <a:bodyPr rtlCol="0" anchor="ctr"/>
+          <a:lstStyle/>
+          <a:p>
+            <a:pPr algn="ctr"/>
+            <a:endParaRPr lang="en-US"/>
+          </a:p>
+        </p:txBody>
+      </p:sp>
+      <p:sp>
+        <p:nvSpPr>
+          <p:cNvPr id="15" name="Freeform 6" title="Crop Mark"/>
+          <p:cNvSpPr>
+            <a:spLocks noGrp="1" noRot="1" noChangeAspect="1" noMove="1" noResize="1" noEditPoints="1" noAdjustHandles="1" noChangeArrowheads="1" noChangeShapeType="1" noTextEdit="1"/>
+          </p:cNvSpPr>
+          <p:nvPr>
+            <p:extLst>
+              <p:ext uri="{386F3935-93C4-4BCD-93E2-E3B085C9AB24}">
+                <p16:designElem xmlns:p16="http://schemas.microsoft.com/office/powerpoint/2015/main" val="1"/>
+              </p:ext>
+            </p:extLst>
+          </p:nvPr>
+        </p:nvSpPr>
+        <p:spPr bwMode="auto">
+          <a:xfrm>
+            <a:off x="8038446" y="1749415"/>
+            <a:ext cx="3275013" cy="4408488"/>
+          </a:xfrm>
+          <a:custGeom>
+            <a:avLst/>
+            <a:gdLst/>
+            <a:ahLst/>
+            <a:cxnLst/>
+            <a:rect l="0" t="0" r="r" b="b"/>
+            <a:pathLst>
+              <a:path w="4125" h="5554">
+                <a:moveTo>
+                  <a:pt x="3614" y="0"/>
+                </a:moveTo>
+                <a:lnTo>
+                  <a:pt x="4125" y="0"/>
+                </a:lnTo>
+                <a:lnTo>
+                  <a:pt x="4125" y="5554"/>
+                </a:lnTo>
+                <a:lnTo>
+                  <a:pt x="0" y="5554"/>
+                </a:lnTo>
+                <a:lnTo>
+                  <a:pt x="0" y="5074"/>
+                </a:lnTo>
+                <a:lnTo>
+                  <a:pt x="3614" y="5074"/>
+                </a:lnTo>
+                <a:lnTo>
+                  <a:pt x="3614" y="0"/>
+                </a:lnTo>
+                <a:close/>
+              </a:path>
+            </a:pathLst>
+          </a:custGeom>
+          <a:solidFill>
+            <a:schemeClr val="tx2"/>
+          </a:solidFill>
+          <a:ln w="0">
+            <a:noFill/>
+            <a:prstDash val="solid"/>
+            <a:round/>
+            <a:headEnd/>
+            <a:tailEnd/>
+          </a:ln>
+        </p:spPr>
+      </p:sp>
+      <p:sp>
+        <p:nvSpPr>
+          <p:cNvPr id="17" name="Rectangle 16"/>
+          <p:cNvSpPr>
+            <a:spLocks noGrp="1" noRot="1" noChangeAspect="1" noMove="1" noResize="1" noEditPoints="1" noAdjustHandles="1" noChangeArrowheads="1" noChangeShapeType="1" noTextEdit="1"/>
+          </p:cNvSpPr>
+          <p:nvPr>
+            <p:extLst>
+              <p:ext uri="{386F3935-93C4-4BCD-93E2-E3B085C9AB24}">
+                <p16:designElem xmlns:p16="http://schemas.microsoft.com/office/powerpoint/2015/main" val="1"/>
+              </p:ext>
+            </p:extLst>
+          </p:nvPr>
+        </p:nvSpPr>
+        <p:spPr>
+          <a:xfrm>
+            <a:off x="160868" y="160867"/>
+            <a:ext cx="10908160" cy="5776857"/>
+          </a:xfrm>
+          <a:prstGeom prst="rect">
+            <a:avLst/>
+          </a:prstGeom>
+          <a:solidFill>
+            <a:srgbClr val="FFFFFF"/>
+          </a:solidFill>
+          <a:ln>
+            <a:noFill/>
+          </a:ln>
+        </p:spPr>
+        <p:style>
+          <a:lnRef idx="2">
+            <a:schemeClr val="accent1">
+              <a:shade val="50000"/>
+            </a:schemeClr>
+          </a:lnRef>
+          <a:fillRef idx="1">
+            <a:schemeClr val="accent1"/>
+          </a:fillRef>
+          <a:effectRef idx="0">
+            <a:schemeClr val="accent1"/>
+          </a:effectRef>
+          <a:fontRef idx="minor">
+            <a:schemeClr val="lt1"/>
+          </a:fontRef>
+        </p:style>
+        <p:txBody>
+          <a:bodyPr rtlCol="0" anchor="ctr"/>
+          <a:lstStyle/>
+          <a:p>
+            <a:pPr algn="ctr"/>
+            <a:endParaRPr lang="en-US"/>
+          </a:p>
+        </p:txBody>
+      </p:sp>
+      <p:pic>
+        <p:nvPicPr>
+          <p:cNvPr id="4" name="Content Placeholder 3"/>
+          <p:cNvPicPr>
+            <a:picLocks noGrp="1" noChangeAspect="1"/>
+          </p:cNvPicPr>
+          <p:nvPr>
+            <p:ph idx="1"/>
+          </p:nvPr>
+        </p:nvPicPr>
+        <p:blipFill>
+          <a:blip r:embed="rId2">
+            <a:extLst>
+              <a:ext uri="{28A0092B-C50C-407E-A947-70E740481C1C}">
+                <a14:useLocalDpi xmlns:a14="http://schemas.microsoft.com/office/drawing/2010/main" val="0"/>
+              </a:ext>
+            </a:extLst>
+          </a:blip>
+          <a:stretch>
+            <a:fillRect/>
+          </a:stretch>
+        </p:blipFill>
+        <p:spPr>
+          <a:xfrm>
+            <a:off x="1086454" y="508783"/>
+            <a:ext cx="9056984" cy="5081025"/>
+          </a:xfrm>
+          <a:prstGeom prst="rect">
+            <a:avLst/>
+          </a:prstGeom>
+        </p:spPr>
+      </p:pic>
+    </p:spTree>
+    <p:extLst>
+      <p:ext uri="{BB962C8B-B14F-4D97-AF65-F5344CB8AC3E}">
+        <p14:creationId xmlns:p14="http://schemas.microsoft.com/office/powerpoint/2010/main" val="23689591"/>
+      </p:ext>
+    </p:extLst>
+  </p:cSld>
+  <p:clrMapOvr>
+    <a:masterClrMapping/>
+  </p:clrMapOvr>
+</p:sld>
+</file>
+
+<file path=ppt/slides/slide17.xml><?xml version="1.0" encoding="utf-8"?>
+<p:sld xmlns:a="http://schemas.openxmlformats.org/drawingml/2006/main" xmlns:r="http://schemas.openxmlformats.org/officeDocument/2006/relationships" xmlns:p="http://schemas.openxmlformats.org/presentationml/2006/main">
+  <p:cSld>
+    <p:spTree>
+      <p:nvGrpSpPr>
+        <p:cNvPr id="1" name=""/>
+        <p:cNvGrpSpPr/>
+        <p:nvPr/>
+      </p:nvGrpSpPr>
+      <p:grpSpPr>
+        <a:xfrm>
+          <a:off x="0" y="0"/>
+          <a:ext cx="0" cy="0"/>
+          <a:chOff x="0" y="0"/>
+          <a:chExt cx="0" cy="0"/>
+        </a:xfrm>
+      </p:grpSpPr>
+      <p:sp>
+        <p:nvSpPr>
+          <p:cNvPr id="2" name="Title 1"/>
+          <p:cNvSpPr>
+            <a:spLocks noGrp="1"/>
+          </p:cNvSpPr>
+          <p:nvPr>
+            <p:ph type="title"/>
+          </p:nvPr>
+        </p:nvSpPr>
+        <p:spPr/>
+        <p:txBody>
+          <a:bodyPr/>
+          <a:lstStyle/>
+          <a:p>
+            <a:r>
+              <a:rPr lang="en-US" dirty="0" smtClean="0"/>
+              <a:t>Custom Theme</a:t>
+            </a:r>
+            <a:endParaRPr lang="en-US" dirty="0"/>
+          </a:p>
+        </p:txBody>
+      </p:sp>
+      <p:pic>
+        <p:nvPicPr>
+          <p:cNvPr id="4" name="Content Placeholder 3"/>
+          <p:cNvPicPr>
+            <a:picLocks noGrp="1" noChangeAspect="1"/>
+          </p:cNvPicPr>
+          <p:nvPr>
+            <p:ph idx="1"/>
+          </p:nvPr>
+        </p:nvPicPr>
+        <p:blipFill>
+          <a:blip r:embed="rId2">
+            <a:extLst>
+              <a:ext uri="{28A0092B-C50C-407E-A947-70E740481C1C}">
+                <a14:useLocalDpi xmlns:a14="http://schemas.microsoft.com/office/drawing/2010/main" val="0"/>
+              </a:ext>
+            </a:extLst>
+          </a:blip>
+          <a:stretch>
+            <a:fillRect/>
+          </a:stretch>
+        </p:blipFill>
+        <p:spPr>
+          <a:xfrm>
+            <a:off x="1778552" y="1562100"/>
+            <a:ext cx="9601200" cy="5173981"/>
+          </a:xfrm>
+        </p:spPr>
+      </p:pic>
+      <p:pic>
+        <p:nvPicPr>
+          <p:cNvPr id="5" name="Picture 4"/>
+          <p:cNvPicPr>
+            <a:picLocks noChangeAspect="1"/>
+          </p:cNvPicPr>
+          <p:nvPr/>
+        </p:nvPicPr>
+        <p:blipFill>
+          <a:blip r:embed="rId3">
+            <a:extLst>
+              <a:ext uri="{28A0092B-C50C-407E-A947-70E740481C1C}">
+                <a14:useLocalDpi xmlns:a14="http://schemas.microsoft.com/office/drawing/2010/main" val="0"/>
+              </a:ext>
+            </a:extLst>
+          </a:blip>
+          <a:stretch>
+            <a:fillRect/>
+          </a:stretch>
+        </p:blipFill>
+        <p:spPr>
+          <a:xfrm>
+            <a:off x="812800" y="5323778"/>
+            <a:ext cx="4395304" cy="924622"/>
+          </a:xfrm>
+          <a:prstGeom prst="rect">
+            <a:avLst/>
+          </a:prstGeom>
+        </p:spPr>
+      </p:pic>
+    </p:spTree>
+    <p:extLst>
+      <p:ext uri="{BB962C8B-B14F-4D97-AF65-F5344CB8AC3E}">
+        <p14:creationId xmlns:p14="http://schemas.microsoft.com/office/powerpoint/2010/main" val="866481242"/>
+      </p:ext>
+    </p:extLst>
+  </p:cSld>
+  <p:clrMapOvr>
+    <a:masterClrMapping/>
+  </p:clrMapOvr>
+</p:sld>
+</file>
+
+<file path=ppt/slides/slide18.xml><?xml version="1.0" encoding="utf-8"?>
+<p:sld xmlns:a="http://schemas.openxmlformats.org/drawingml/2006/main" xmlns:r="http://schemas.openxmlformats.org/officeDocument/2006/relationships" xmlns:p="http://schemas.openxmlformats.org/presentationml/2006/main">
+  <p:cSld>
+    <p:spTree>
+      <p:nvGrpSpPr>
+        <p:cNvPr id="1" name=""/>
+        <p:cNvGrpSpPr/>
+        <p:nvPr/>
+      </p:nvGrpSpPr>
+      <p:grpSpPr>
+        <a:xfrm>
+          <a:off x="0" y="0"/>
+          <a:ext cx="0" cy="0"/>
+          <a:chOff x="0" y="0"/>
+          <a:chExt cx="0" cy="0"/>
+        </a:xfrm>
+      </p:grpSpPr>
+      <p:sp>
+        <p:nvSpPr>
+          <p:cNvPr id="2" name="Title 1"/>
+          <p:cNvSpPr>
+            <a:spLocks noGrp="1"/>
+          </p:cNvSpPr>
+          <p:nvPr>
+            <p:ph type="title"/>
+          </p:nvPr>
+        </p:nvSpPr>
+        <p:spPr/>
+        <p:txBody>
+          <a:bodyPr/>
+          <a:lstStyle/>
+          <a:p>
+            <a:r>
+              <a:rPr lang="en-US" dirty="0" smtClean="0"/>
+              <a:t>Custom Themes</a:t>
+            </a:r>
+            <a:endParaRPr lang="en-US" dirty="0"/>
+          </a:p>
+        </p:txBody>
+      </p:sp>
+      <p:pic>
+        <p:nvPicPr>
+          <p:cNvPr id="4" name="Content Placeholder 3"/>
+          <p:cNvPicPr>
+            <a:picLocks noGrp="1" noChangeAspect="1"/>
+          </p:cNvPicPr>
+          <p:nvPr>
+            <p:ph idx="1"/>
+          </p:nvPr>
+        </p:nvPicPr>
+        <p:blipFill>
+          <a:blip r:embed="rId2">
+            <a:extLst>
+              <a:ext uri="{28A0092B-C50C-407E-A947-70E740481C1C}">
+                <a14:useLocalDpi xmlns:a14="http://schemas.microsoft.com/office/drawing/2010/main" val="0"/>
+              </a:ext>
+            </a:extLst>
+          </a:blip>
+          <a:stretch>
+            <a:fillRect/>
+          </a:stretch>
+        </p:blipFill>
+        <p:spPr>
+          <a:xfrm>
+            <a:off x="1778552" y="1524000"/>
+            <a:ext cx="10045134" cy="5027973"/>
+          </a:xfrm>
+        </p:spPr>
+      </p:pic>
+      <p:pic>
+        <p:nvPicPr>
+          <p:cNvPr id="5" name="Picture 4"/>
+          <p:cNvPicPr>
+            <a:picLocks noChangeAspect="1"/>
+          </p:cNvPicPr>
+          <p:nvPr/>
+        </p:nvPicPr>
+        <p:blipFill>
+          <a:blip r:embed="rId3">
+            <a:extLst>
+              <a:ext uri="{28A0092B-C50C-407E-A947-70E740481C1C}">
+                <a14:useLocalDpi xmlns:a14="http://schemas.microsoft.com/office/drawing/2010/main" val="0"/>
+              </a:ext>
+            </a:extLst>
+          </a:blip>
+          <a:stretch>
+            <a:fillRect/>
+          </a:stretch>
+        </p:blipFill>
+        <p:spPr>
+          <a:xfrm>
+            <a:off x="0" y="4443523"/>
+            <a:ext cx="6203506" cy="814277"/>
+          </a:xfrm>
+          <a:prstGeom prst="rect">
+            <a:avLst/>
+          </a:prstGeom>
+        </p:spPr>
+      </p:pic>
+    </p:spTree>
+    <p:extLst>
+      <p:ext uri="{BB962C8B-B14F-4D97-AF65-F5344CB8AC3E}">
+        <p14:creationId xmlns:p14="http://schemas.microsoft.com/office/powerpoint/2010/main" val="1429753371"/>
+      </p:ext>
+    </p:extLst>
+  </p:cSld>
+  <p:clrMapOvr>
+    <a:masterClrMapping/>
+  </p:clrMapOvr>
+</p:sld>
+</file>
+
+<file path=ppt/slides/slide19.xml><?xml version="1.0" encoding="utf-8"?>
+<p:sld xmlns:a="http://schemas.openxmlformats.org/drawingml/2006/main" xmlns:r="http://schemas.openxmlformats.org/officeDocument/2006/relationships" xmlns:p="http://schemas.openxmlformats.org/presentationml/2006/main">
+  <p:cSld>
+    <p:spTree>
+      <p:nvGrpSpPr>
+        <p:cNvPr id="1" name=""/>
+        <p:cNvGrpSpPr/>
+        <p:nvPr/>
+      </p:nvGrpSpPr>
+      <p:grpSpPr>
+        <a:xfrm>
+          <a:off x="0" y="0"/>
+          <a:ext cx="0" cy="0"/>
+          <a:chOff x="0" y="0"/>
+          <a:chExt cx="0" cy="0"/>
+        </a:xfrm>
+      </p:grpSpPr>
+      <p:sp>
+        <p:nvSpPr>
+          <p:cNvPr id="2" name="Title 1"/>
+          <p:cNvSpPr>
+            <a:spLocks noGrp="1"/>
+          </p:cNvSpPr>
+          <p:nvPr>
+            <p:ph type="title"/>
+          </p:nvPr>
+        </p:nvSpPr>
+        <p:spPr/>
+        <p:txBody>
+          <a:bodyPr/>
+          <a:lstStyle/>
+          <a:p>
+            <a:r>
+              <a:rPr lang="en-US" dirty="0" smtClean="0"/>
+              <a:t>Basic Concepts of Shiny apps</a:t>
+            </a:r>
+            <a:endParaRPr lang="en-US" dirty="0"/>
+          </a:p>
+        </p:txBody>
+      </p:sp>
+      <p:sp>
+        <p:nvSpPr>
+          <p:cNvPr id="3" name="Text Placeholder 2"/>
+          <p:cNvSpPr>
+            <a:spLocks noGrp="1"/>
+          </p:cNvSpPr>
+          <p:nvPr>
+            <p:ph type="body" idx="1"/>
+          </p:nvPr>
+        </p:nvSpPr>
+        <p:spPr/>
+        <p:txBody>
+          <a:bodyPr/>
+          <a:lstStyle/>
+          <a:p>
+            <a:r>
+              <a:rPr lang="en-US" dirty="0" smtClean="0"/>
+              <a:t>Intro to Server</a:t>
+            </a:r>
+            <a:endParaRPr lang="en-US" dirty="0"/>
+          </a:p>
+        </p:txBody>
+      </p:sp>
+    </p:spTree>
+    <p:extLst>
+      <p:ext uri="{BB962C8B-B14F-4D97-AF65-F5344CB8AC3E}">
+        <p14:creationId xmlns:p14="http://schemas.microsoft.com/office/powerpoint/2010/main" val="1276190698"/>
+      </p:ext>
+    </p:extLst>
+  </p:cSld>
+  <p:clrMapOvr>
+    <a:masterClrMapping/>
+  </p:clrMapOvr>
+</p:sld>
+</file>
+
 <file path=ppt/slides/slide2.xml><?xml version="1.0" encoding="utf-8"?>
 <p:sld xmlns:a="http://schemas.openxmlformats.org/drawingml/2006/main" xmlns:r="http://schemas.openxmlformats.org/officeDocument/2006/relationships" xmlns:p="http://schemas.openxmlformats.org/presentationml/2006/main">
   <p:cSld>
@@ -5020,6 +6155,757 @@
     <p:extLst>
       <p:ext uri="{BB962C8B-B14F-4D97-AF65-F5344CB8AC3E}">
         <p14:creationId xmlns:p14="http://schemas.microsoft.com/office/powerpoint/2010/main" val="967051340"/>
+      </p:ext>
+    </p:extLst>
+  </p:cSld>
+  <p:clrMapOvr>
+    <a:masterClrMapping/>
+  </p:clrMapOvr>
+</p:sld>
+</file>
+
+<file path=ppt/slides/slide20.xml><?xml version="1.0" encoding="utf-8"?>
+<p:sld xmlns:a="http://schemas.openxmlformats.org/drawingml/2006/main" xmlns:r="http://schemas.openxmlformats.org/officeDocument/2006/relationships" xmlns:p="http://schemas.openxmlformats.org/presentationml/2006/main">
+  <p:cSld>
+    <p:spTree>
+      <p:nvGrpSpPr>
+        <p:cNvPr id="1" name=""/>
+        <p:cNvGrpSpPr/>
+        <p:nvPr/>
+      </p:nvGrpSpPr>
+      <p:grpSpPr>
+        <a:xfrm>
+          <a:off x="0" y="0"/>
+          <a:ext cx="0" cy="0"/>
+          <a:chOff x="0" y="0"/>
+          <a:chExt cx="0" cy="0"/>
+        </a:xfrm>
+      </p:grpSpPr>
+      <p:sp>
+        <p:nvSpPr>
+          <p:cNvPr id="2" name="Title 1"/>
+          <p:cNvSpPr>
+            <a:spLocks noGrp="1"/>
+          </p:cNvSpPr>
+          <p:nvPr>
+            <p:ph type="title"/>
+          </p:nvPr>
+        </p:nvSpPr>
+        <p:spPr/>
+        <p:txBody>
+          <a:bodyPr/>
+          <a:lstStyle/>
+          <a:p>
+            <a:r>
+              <a:rPr lang="en-US" dirty="0" smtClean="0"/>
+              <a:t>Introduction to Server Function</a:t>
+            </a:r>
+            <a:endParaRPr lang="en-US" dirty="0"/>
+          </a:p>
+        </p:txBody>
+      </p:sp>
+      <p:sp>
+        <p:nvSpPr>
+          <p:cNvPr id="3" name="Content Placeholder 2"/>
+          <p:cNvSpPr>
+            <a:spLocks noGrp="1"/>
+          </p:cNvSpPr>
+          <p:nvPr>
+            <p:ph idx="1"/>
+          </p:nvPr>
+        </p:nvSpPr>
+        <p:spPr>
+          <a:xfrm>
+            <a:off x="1371600" y="2286000"/>
+            <a:ext cx="9601200" cy="2235200"/>
+          </a:xfrm>
+        </p:spPr>
+        <p:txBody>
+          <a:bodyPr>
+            <a:normAutofit/>
+          </a:bodyPr>
+          <a:lstStyle/>
+          <a:p>
+            <a:r>
+              <a:rPr lang="en-US" dirty="0" smtClean="0"/>
+              <a:t>Outputs</a:t>
+            </a:r>
+          </a:p>
+          <a:p>
+            <a:pPr lvl="1"/>
+            <a:r>
+              <a:rPr lang="en-US" dirty="0" smtClean="0"/>
+              <a:t>List of functions called in the UI which generates plots, tables and other objects.</a:t>
+            </a:r>
+          </a:p>
+          <a:p>
+            <a:pPr lvl="1"/>
+            <a:r>
+              <a:rPr lang="en-US" dirty="0" smtClean="0"/>
+              <a:t>Will regenerate whenever dependent inputs are changed, or based off of required action in UI.</a:t>
+            </a:r>
+          </a:p>
+          <a:p>
+            <a:pPr lvl="1"/>
+            <a:r>
+              <a:rPr lang="en-US" dirty="0" smtClean="0"/>
+              <a:t>Shiny Apps will display from any graphics package including;</a:t>
+            </a:r>
+          </a:p>
+          <a:p>
+            <a:pPr lvl="2"/>
+            <a:endParaRPr lang="en-US" dirty="0"/>
+          </a:p>
+        </p:txBody>
+      </p:sp>
+      <p:sp>
+        <p:nvSpPr>
+          <p:cNvPr id="4" name="TextBox 3"/>
+          <p:cNvSpPr txBox="1"/>
+          <p:nvPr/>
+        </p:nvSpPr>
+        <p:spPr>
+          <a:xfrm>
+            <a:off x="2781300" y="4521200"/>
+            <a:ext cx="7620000" cy="2031325"/>
+          </a:xfrm>
+          <a:prstGeom prst="rect">
+            <a:avLst/>
+          </a:prstGeom>
+          <a:noFill/>
+        </p:spPr>
+        <p:txBody>
+          <a:bodyPr wrap="square" numCol="3" rtlCol="0">
+            <a:spAutoFit/>
+          </a:bodyPr>
+          <a:lstStyle/>
+          <a:p>
+            <a:pPr marL="1200150" lvl="2" indent="-285750">
+              <a:buFont typeface="Arial" charset="0"/>
+              <a:buChar char="•"/>
+            </a:pPr>
+            <a:r>
+              <a:rPr lang="en-US" dirty="0"/>
+              <a:t>ggplot2</a:t>
+            </a:r>
+          </a:p>
+          <a:p>
+            <a:pPr marL="1200150" lvl="2" indent="-285750">
+              <a:buFont typeface="Arial" charset="0"/>
+              <a:buChar char="•"/>
+            </a:pPr>
+            <a:r>
+              <a:rPr lang="en-US" dirty="0" err="1"/>
+              <a:t>plotly</a:t>
+            </a:r>
+            <a:endParaRPr lang="en-US" dirty="0"/>
+          </a:p>
+          <a:p>
+            <a:pPr marL="1200150" lvl="2" indent="-285750">
+              <a:buFont typeface="Arial" charset="0"/>
+              <a:buChar char="•"/>
+            </a:pPr>
+            <a:r>
+              <a:rPr lang="en-US" dirty="0"/>
+              <a:t>DT</a:t>
+            </a:r>
+          </a:p>
+          <a:p>
+            <a:pPr marL="1200150" lvl="2" indent="-285750">
+              <a:buFont typeface="Arial" charset="0"/>
+              <a:buChar char="•"/>
+            </a:pPr>
+            <a:r>
+              <a:rPr lang="en-US" dirty="0" err="1"/>
+              <a:t>LeafletR</a:t>
+            </a:r>
+            <a:endParaRPr lang="en-US" dirty="0"/>
+          </a:p>
+          <a:p>
+            <a:pPr marL="1200150" lvl="2" indent="-285750">
+              <a:buFont typeface="Arial" charset="0"/>
+              <a:buChar char="•"/>
+            </a:pPr>
+            <a:r>
+              <a:rPr lang="en-US" dirty="0" err="1"/>
+              <a:t>g</a:t>
+            </a:r>
+            <a:r>
+              <a:rPr lang="en-US" dirty="0" err="1" smtClean="0"/>
+              <a:t>gvis</a:t>
+            </a:r>
+            <a:endParaRPr lang="en-US" dirty="0" smtClean="0"/>
+          </a:p>
+          <a:p>
+            <a:pPr marL="1200150" lvl="2" indent="-285750">
+              <a:buFont typeface="Arial" charset="0"/>
+              <a:buChar char="•"/>
+            </a:pPr>
+            <a:r>
+              <a:rPr lang="en-US" dirty="0" err="1" smtClean="0"/>
+              <a:t>googleVis</a:t>
+            </a:r>
+            <a:endParaRPr lang="en-US" dirty="0" smtClean="0"/>
+          </a:p>
+          <a:p>
+            <a:pPr marL="1200150" lvl="2" indent="-285750">
+              <a:buFont typeface="Arial" charset="0"/>
+              <a:buChar char="•"/>
+            </a:pPr>
+            <a:r>
+              <a:rPr lang="en-US" dirty="0" smtClean="0"/>
+              <a:t>wordcloud2</a:t>
+            </a:r>
+          </a:p>
+          <a:p>
+            <a:pPr marL="1200150" lvl="2" indent="-285750">
+              <a:buFont typeface="Arial" charset="0"/>
+              <a:buChar char="•"/>
+            </a:pPr>
+            <a:r>
+              <a:rPr lang="en-US" dirty="0" smtClean="0"/>
+              <a:t>d3heatmap</a:t>
+            </a:r>
+          </a:p>
+          <a:p>
+            <a:pPr marL="1200150" lvl="2" indent="-285750">
+              <a:buFont typeface="Arial" charset="0"/>
+              <a:buChar char="•"/>
+            </a:pPr>
+            <a:r>
+              <a:rPr lang="en-US" dirty="0" err="1"/>
+              <a:t>d</a:t>
+            </a:r>
+            <a:r>
+              <a:rPr lang="en-US" dirty="0" err="1" smtClean="0"/>
+              <a:t>ygraphs</a:t>
+            </a:r>
+            <a:endParaRPr lang="en-US" dirty="0" smtClean="0"/>
+          </a:p>
+          <a:p>
+            <a:pPr marL="1200150" lvl="2" indent="-285750">
+              <a:buFont typeface="Arial" charset="0"/>
+              <a:buChar char="•"/>
+            </a:pPr>
+            <a:r>
+              <a:rPr lang="en-US" dirty="0" err="1" smtClean="0"/>
+              <a:t>ggmap</a:t>
+            </a:r>
+            <a:endParaRPr lang="en-US" dirty="0" smtClean="0"/>
+          </a:p>
+          <a:p>
+            <a:pPr marL="1200150" lvl="2" indent="-285750">
+              <a:buFont typeface="Arial" charset="0"/>
+              <a:buChar char="•"/>
+            </a:pPr>
+            <a:r>
+              <a:rPr lang="en-US" dirty="0" err="1"/>
+              <a:t>h</a:t>
+            </a:r>
+            <a:r>
+              <a:rPr lang="en-US" dirty="0" err="1" smtClean="0"/>
+              <a:t>ighcharter</a:t>
+            </a:r>
+            <a:endParaRPr lang="en-US" dirty="0" smtClean="0"/>
+          </a:p>
+          <a:p>
+            <a:pPr marL="1200150" lvl="2" indent="-285750">
+              <a:buFont typeface="Arial" charset="0"/>
+              <a:buChar char="•"/>
+            </a:pPr>
+            <a:r>
+              <a:rPr lang="en-US" dirty="0" err="1" smtClean="0"/>
+              <a:t>rgl</a:t>
+            </a:r>
+            <a:endParaRPr lang="en-US" dirty="0" smtClean="0"/>
+          </a:p>
+          <a:p>
+            <a:pPr marL="1200150" lvl="2" indent="-285750">
+              <a:buFont typeface="Arial" charset="0"/>
+              <a:buChar char="•"/>
+            </a:pPr>
+            <a:r>
+              <a:rPr lang="en-US" dirty="0" err="1" smtClean="0"/>
+              <a:t>DiagrammeR</a:t>
+            </a:r>
+            <a:endParaRPr lang="en-US" dirty="0" smtClean="0"/>
+          </a:p>
+          <a:p>
+            <a:pPr marL="1200150" lvl="2" indent="-285750">
+              <a:buFont typeface="Arial" charset="0"/>
+              <a:buChar char="•"/>
+            </a:pPr>
+            <a:r>
+              <a:rPr lang="en-US" dirty="0" err="1" smtClean="0"/>
+              <a:t>rCharts</a:t>
+            </a:r>
+            <a:endParaRPr lang="en-US" dirty="0" smtClean="0"/>
+          </a:p>
+          <a:p>
+            <a:pPr marL="1200150" lvl="2" indent="-285750">
+              <a:buFont typeface="Arial" charset="0"/>
+              <a:buChar char="•"/>
+            </a:pPr>
+            <a:endParaRPr lang="en-US" dirty="0" smtClean="0"/>
+          </a:p>
+          <a:p>
+            <a:pPr marL="1200150" lvl="2" indent="-285750">
+              <a:buFont typeface="Arial" charset="0"/>
+              <a:buChar char="•"/>
+            </a:pPr>
+            <a:endParaRPr lang="en-US" dirty="0" smtClean="0"/>
+          </a:p>
+          <a:p>
+            <a:pPr marL="1200150" lvl="2" indent="-285750">
+              <a:buFont typeface="Arial" charset="0"/>
+              <a:buChar char="•"/>
+            </a:pPr>
+            <a:endParaRPr lang="en-US" dirty="0" smtClean="0"/>
+          </a:p>
+          <a:p>
+            <a:pPr marL="1200150" lvl="2" indent="-285750">
+              <a:buFont typeface="Arial" charset="0"/>
+              <a:buChar char="•"/>
+            </a:pPr>
+            <a:endParaRPr lang="en-US" dirty="0"/>
+          </a:p>
+          <a:p>
+            <a:endParaRPr lang="en-US" dirty="0"/>
+          </a:p>
+        </p:txBody>
+      </p:sp>
+    </p:spTree>
+    <p:extLst>
+      <p:ext uri="{BB962C8B-B14F-4D97-AF65-F5344CB8AC3E}">
+        <p14:creationId xmlns:p14="http://schemas.microsoft.com/office/powerpoint/2010/main" val="706545499"/>
+      </p:ext>
+    </p:extLst>
+  </p:cSld>
+  <p:clrMapOvr>
+    <a:masterClrMapping/>
+  </p:clrMapOvr>
+</p:sld>
+</file>
+
+<file path=ppt/slides/slide21.xml><?xml version="1.0" encoding="utf-8"?>
+<p:sld xmlns:a="http://schemas.openxmlformats.org/drawingml/2006/main" xmlns:r="http://schemas.openxmlformats.org/officeDocument/2006/relationships" xmlns:p="http://schemas.openxmlformats.org/presentationml/2006/main">
+  <p:cSld>
+    <p:bg>
+      <p:bgPr>
+        <a:solidFill>
+          <a:schemeClr val="bg2"/>
+        </a:solidFill>
+        <a:effectLst/>
+      </p:bgPr>
+    </p:bg>
+    <p:spTree>
+      <p:nvGrpSpPr>
+        <p:cNvPr id="1" name=""/>
+        <p:cNvGrpSpPr/>
+        <p:nvPr/>
+      </p:nvGrpSpPr>
+      <p:grpSpPr>
+        <a:xfrm>
+          <a:off x="0" y="0"/>
+          <a:ext cx="0" cy="0"/>
+          <a:chOff x="0" y="0"/>
+          <a:chExt cx="0" cy="0"/>
+        </a:xfrm>
+      </p:grpSpPr>
+      <p:sp>
+        <p:nvSpPr>
+          <p:cNvPr id="10" name="Rectangle 9"/>
+          <p:cNvSpPr>
+            <a:spLocks noGrp="1" noRot="1" noChangeAspect="1" noMove="1" noResize="1" noEditPoints="1" noAdjustHandles="1" noChangeArrowheads="1" noChangeShapeType="1" noTextEdit="1"/>
+          </p:cNvSpPr>
+          <p:nvPr>
+            <p:extLst>
+              <p:ext uri="{386F3935-93C4-4BCD-93E2-E3B085C9AB24}">
+                <p16:designElem xmlns:p16="http://schemas.microsoft.com/office/powerpoint/2015/main" val="1"/>
+              </p:ext>
+            </p:extLst>
+          </p:nvPr>
+        </p:nvSpPr>
+        <p:spPr bwMode="white">
+          <a:xfrm>
+            <a:off x="0" y="0"/>
+            <a:ext cx="12192000" cy="6858000"/>
+          </a:xfrm>
+          <a:prstGeom prst="rect">
+            <a:avLst/>
+          </a:prstGeom>
+          <a:solidFill>
+            <a:schemeClr val="bg2"/>
+          </a:solidFill>
+          <a:effectLst/>
+        </p:spPr>
+      </p:sp>
+      <p:sp>
+        <p:nvSpPr>
+          <p:cNvPr id="12" name="Rectangle 11" title="Side bar"/>
+          <p:cNvSpPr>
+            <a:spLocks noGrp="1" noRot="1" noChangeAspect="1" noMove="1" noResize="1" noEditPoints="1" noAdjustHandles="1" noChangeArrowheads="1" noChangeShapeType="1" noTextEdit="1"/>
+          </p:cNvSpPr>
+          <p:nvPr>
+            <p:extLst>
+              <p:ext uri="{386F3935-93C4-4BCD-93E2-E3B085C9AB24}">
+                <p16:designElem xmlns:p16="http://schemas.microsoft.com/office/powerpoint/2015/main" val="1"/>
+              </p:ext>
+            </p:extLst>
+          </p:nvPr>
+        </p:nvSpPr>
+        <p:spPr>
+          <a:xfrm>
+            <a:off x="478095" y="376"/>
+            <a:ext cx="228600" cy="6858000"/>
+          </a:xfrm>
+          <a:prstGeom prst="rect">
+            <a:avLst/>
+          </a:prstGeom>
+          <a:solidFill>
+            <a:schemeClr val="tx2"/>
+          </a:solidFill>
+          <a:ln>
+            <a:noFill/>
+          </a:ln>
+        </p:spPr>
+        <p:style>
+          <a:lnRef idx="2">
+            <a:schemeClr val="accent1">
+              <a:shade val="50000"/>
+            </a:schemeClr>
+          </a:lnRef>
+          <a:fillRef idx="1">
+            <a:schemeClr val="accent1"/>
+          </a:fillRef>
+          <a:effectRef idx="0">
+            <a:schemeClr val="accent1"/>
+          </a:effectRef>
+          <a:fontRef idx="minor">
+            <a:schemeClr val="lt1"/>
+          </a:fontRef>
+        </p:style>
+      </p:sp>
+      <p:pic>
+        <p:nvPicPr>
+          <p:cNvPr id="5" name="Content Placeholder 4"/>
+          <p:cNvPicPr>
+            <a:picLocks noGrp="1" noChangeAspect="1"/>
+          </p:cNvPicPr>
+          <p:nvPr>
+            <p:ph sz="half" idx="2"/>
+          </p:nvPr>
+        </p:nvPicPr>
+        <p:blipFill>
+          <a:blip r:embed="rId2">
+            <a:extLst>
+              <a:ext uri="{28A0092B-C50C-407E-A947-70E740481C1C}">
+                <a14:useLocalDpi xmlns:a14="http://schemas.microsoft.com/office/drawing/2010/main" val="0"/>
+              </a:ext>
+            </a:extLst>
+          </a:blip>
+          <a:stretch>
+            <a:fillRect/>
+          </a:stretch>
+        </p:blipFill>
+        <p:spPr>
+          <a:xfrm>
+            <a:off x="4799068" y="4550229"/>
+            <a:ext cx="6682315" cy="1687285"/>
+          </a:xfrm>
+          <a:prstGeom prst="rect">
+            <a:avLst/>
+          </a:prstGeom>
+        </p:spPr>
+      </p:pic>
+      <p:sp>
+        <p:nvSpPr>
+          <p:cNvPr id="14" name="Rectangle 13" title="Side bar"/>
+          <p:cNvSpPr>
+            <a:spLocks noGrp="1" noRot="1" noChangeAspect="1" noMove="1" noResize="1" noEditPoints="1" noAdjustHandles="1" noChangeArrowheads="1" noChangeShapeType="1" noTextEdit="1"/>
+          </p:cNvSpPr>
+          <p:nvPr>
+            <p:extLst>
+              <p:ext uri="{386F3935-93C4-4BCD-93E2-E3B085C9AB24}">
+                <p16:designElem xmlns:p16="http://schemas.microsoft.com/office/powerpoint/2015/main" val="1"/>
+              </p:ext>
+            </p:extLst>
+          </p:nvPr>
+        </p:nvSpPr>
+        <p:spPr>
+          <a:xfrm>
+            <a:off x="478095" y="376"/>
+            <a:ext cx="228600" cy="6858000"/>
+          </a:xfrm>
+          <a:prstGeom prst="rect">
+            <a:avLst/>
+          </a:prstGeom>
+          <a:solidFill>
+            <a:schemeClr val="tx2"/>
+          </a:solidFill>
+          <a:ln>
+            <a:noFill/>
+          </a:ln>
+        </p:spPr>
+        <p:style>
+          <a:lnRef idx="2">
+            <a:schemeClr val="accent1">
+              <a:shade val="50000"/>
+            </a:schemeClr>
+          </a:lnRef>
+          <a:fillRef idx="1">
+            <a:schemeClr val="accent1"/>
+          </a:fillRef>
+          <a:effectRef idx="0">
+            <a:schemeClr val="accent1"/>
+          </a:effectRef>
+          <a:fontRef idx="minor">
+            <a:schemeClr val="lt1"/>
+          </a:fontRef>
+        </p:style>
+      </p:sp>
+      <p:sp>
+        <p:nvSpPr>
+          <p:cNvPr id="2" name="Title 1"/>
+          <p:cNvSpPr>
+            <a:spLocks noGrp="1"/>
+          </p:cNvSpPr>
+          <p:nvPr>
+            <p:ph type="title"/>
+          </p:nvPr>
+        </p:nvSpPr>
+        <p:spPr>
+          <a:xfrm>
+            <a:off x="881744" y="631372"/>
+            <a:ext cx="3135086" cy="5606142"/>
+          </a:xfrm>
+        </p:spPr>
+        <p:txBody>
+          <a:bodyPr vert="horz" lIns="91440" tIns="45720" rIns="91440" bIns="45720" rtlCol="0" anchor="t">
+            <a:normAutofit/>
+          </a:bodyPr>
+          <a:lstStyle/>
+          <a:p>
+            <a:r>
+              <a:rPr lang="en-US" dirty="0" smtClean="0"/>
+              <a:t>Saving Outputs</a:t>
+            </a:r>
+            <a:endParaRPr lang="en-US" dirty="0"/>
+          </a:p>
+        </p:txBody>
+      </p:sp>
+      <p:sp>
+        <p:nvSpPr>
+          <p:cNvPr id="3" name="Content Placeholder 2"/>
+          <p:cNvSpPr>
+            <a:spLocks noGrp="1"/>
+          </p:cNvSpPr>
+          <p:nvPr>
+            <p:ph sz="half" idx="1"/>
+          </p:nvPr>
+        </p:nvSpPr>
+        <p:spPr>
+          <a:xfrm>
+            <a:off x="4741595" y="631371"/>
+            <a:ext cx="6797262" cy="3744685"/>
+          </a:xfrm>
+        </p:spPr>
+        <p:txBody>
+          <a:bodyPr vert="horz" lIns="91440" tIns="45720" rIns="91440" bIns="45720" rtlCol="0">
+            <a:normAutofit/>
+          </a:bodyPr>
+          <a:lstStyle/>
+          <a:p>
+            <a:r>
+              <a:rPr lang="en-US" dirty="0" smtClean="0"/>
+              <a:t>Output is a list which you build onto as you create your visuals</a:t>
+            </a:r>
+          </a:p>
+          <a:p>
+            <a:r>
+              <a:rPr lang="en-US" dirty="0" smtClean="0"/>
+              <a:t>Each entry in the list is called in the UI by the name saved.</a:t>
+            </a:r>
+          </a:p>
+          <a:p>
+            <a:r>
+              <a:rPr lang="en-US" dirty="0" smtClean="0"/>
+              <a:t>Example:</a:t>
+            </a:r>
+          </a:p>
+          <a:p>
+            <a:pPr lvl="1"/>
+            <a:r>
+              <a:rPr lang="en-US" dirty="0" smtClean="0"/>
+              <a:t>The three outputs below are called by “</a:t>
+            </a:r>
+            <a:r>
+              <a:rPr lang="en-US" dirty="0" err="1" smtClean="0"/>
+              <a:t>report.table</a:t>
+            </a:r>
+            <a:r>
+              <a:rPr lang="en-US" dirty="0" smtClean="0"/>
+              <a:t>”, “</a:t>
+            </a:r>
+            <a:r>
+              <a:rPr lang="en-US" dirty="0" err="1" smtClean="0"/>
+              <a:t>downloadData</a:t>
+            </a:r>
+            <a:r>
+              <a:rPr lang="en-US" dirty="0" smtClean="0"/>
+              <a:t>” and “map” respectively.</a:t>
+            </a:r>
+          </a:p>
+          <a:p>
+            <a:r>
+              <a:rPr lang="en-US" dirty="0" smtClean="0"/>
+              <a:t>Otherwise these images work just like anything created in an </a:t>
+            </a:r>
+            <a:r>
+              <a:rPr lang="en-US" dirty="0" err="1" smtClean="0"/>
+              <a:t>RMarkdown</a:t>
+            </a:r>
+            <a:r>
+              <a:rPr lang="en-US" dirty="0" smtClean="0"/>
+              <a:t> document</a:t>
+            </a:r>
+          </a:p>
+          <a:p>
+            <a:endParaRPr lang="en-US" dirty="0"/>
+          </a:p>
+        </p:txBody>
+      </p:sp>
+    </p:spTree>
+    <p:extLst>
+      <p:ext uri="{BB962C8B-B14F-4D97-AF65-F5344CB8AC3E}">
+        <p14:creationId xmlns:p14="http://schemas.microsoft.com/office/powerpoint/2010/main" val="3697256943"/>
+      </p:ext>
+    </p:extLst>
+  </p:cSld>
+  <p:clrMapOvr>
+    <a:masterClrMapping/>
+  </p:clrMapOvr>
+</p:sld>
+</file>
+
+<file path=ppt/slides/slide22.xml><?xml version="1.0" encoding="utf-8"?>
+<p:sld xmlns:a="http://schemas.openxmlformats.org/drawingml/2006/main" xmlns:r="http://schemas.openxmlformats.org/officeDocument/2006/relationships" xmlns:p="http://schemas.openxmlformats.org/presentationml/2006/main">
+  <p:cSld>
+    <p:spTree>
+      <p:nvGrpSpPr>
+        <p:cNvPr id="1" name=""/>
+        <p:cNvGrpSpPr/>
+        <p:nvPr/>
+      </p:nvGrpSpPr>
+      <p:grpSpPr>
+        <a:xfrm>
+          <a:off x="0" y="0"/>
+          <a:ext cx="0" cy="0"/>
+          <a:chOff x="0" y="0"/>
+          <a:chExt cx="0" cy="0"/>
+        </a:xfrm>
+      </p:grpSpPr>
+      <p:sp>
+        <p:nvSpPr>
+          <p:cNvPr id="2" name="Vertical Title 1"/>
+          <p:cNvSpPr>
+            <a:spLocks noGrp="1"/>
+          </p:cNvSpPr>
+          <p:nvPr>
+            <p:ph type="title"/>
+          </p:nvPr>
+        </p:nvSpPr>
+        <p:spPr/>
+        <p:txBody>
+          <a:bodyPr/>
+          <a:lstStyle/>
+          <a:p>
+            <a:r>
+              <a:rPr lang="en-US" dirty="0" smtClean="0"/>
+              <a:t>REVIEW</a:t>
+            </a:r>
+            <a:endParaRPr lang="en-US" dirty="0"/>
+          </a:p>
+        </p:txBody>
+      </p:sp>
+      <p:sp>
+        <p:nvSpPr>
+          <p:cNvPr id="4" name="Content Placeholder 3"/>
+          <p:cNvSpPr>
+            <a:spLocks noGrp="1"/>
+          </p:cNvSpPr>
+          <p:nvPr>
+            <p:ph idx="1"/>
+          </p:nvPr>
+        </p:nvSpPr>
+        <p:spPr/>
+        <p:txBody>
+          <a:bodyPr/>
+          <a:lstStyle/>
+          <a:p>
+            <a:r>
+              <a:rPr lang="en-US" dirty="0" smtClean="0"/>
+              <a:t>Shiny Apps are made of up of three arguments.</a:t>
+            </a:r>
+          </a:p>
+          <a:p>
+            <a:pPr lvl="1"/>
+            <a:r>
+              <a:rPr lang="en-US" dirty="0" err="1" smtClean="0"/>
+              <a:t>Ui</a:t>
+            </a:r>
+            <a:endParaRPr lang="en-US" dirty="0" smtClean="0"/>
+          </a:p>
+          <a:p>
+            <a:pPr lvl="1"/>
+            <a:r>
+              <a:rPr lang="en-US" dirty="0" smtClean="0"/>
+              <a:t>Server</a:t>
+            </a:r>
+          </a:p>
+          <a:p>
+            <a:pPr lvl="1"/>
+            <a:r>
+              <a:rPr lang="en-US" dirty="0" smtClean="0"/>
+              <a:t>Session (if used)</a:t>
+            </a:r>
+          </a:p>
+          <a:p>
+            <a:r>
+              <a:rPr lang="en-US" dirty="0" smtClean="0"/>
+              <a:t>There are numerous layout selections and combinations</a:t>
+            </a:r>
+          </a:p>
+          <a:p>
+            <a:r>
+              <a:rPr lang="en-US" dirty="0" smtClean="0"/>
+              <a:t>To easily style your map you can use custom or free </a:t>
+            </a:r>
+            <a:r>
+              <a:rPr lang="en-US" dirty="0" err="1" smtClean="0"/>
+              <a:t>css</a:t>
+            </a:r>
+            <a:r>
+              <a:rPr lang="en-US" dirty="0" smtClean="0"/>
+              <a:t> bootstraps</a:t>
+            </a:r>
+          </a:p>
+          <a:p>
+            <a:r>
+              <a:rPr lang="en-US" dirty="0" smtClean="0"/>
+              <a:t>Outputs are functions which generate the desired content for the app’s UI</a:t>
+            </a:r>
+          </a:p>
+          <a:p>
+            <a:pPr lvl="1"/>
+            <a:endParaRPr lang="en-US" dirty="0"/>
+          </a:p>
+        </p:txBody>
+      </p:sp>
+    </p:spTree>
+    <p:extLst>
+      <p:ext uri="{BB962C8B-B14F-4D97-AF65-F5344CB8AC3E}">
+        <p14:creationId xmlns:p14="http://schemas.microsoft.com/office/powerpoint/2010/main" val="1525180048"/>
       </p:ext>
     </p:extLst>
   </p:cSld>

--- a/Class 1.pptx
+++ b/Class 1.pptx
@@ -218,7 +218,7 @@
           <a:p>
             <a:fld id="{77290002-3E2F-024D-989E-7C1D88EB1B81}" type="datetimeFigureOut">
               <a:rPr lang="en-US" smtClean="0"/>
-              <a:t>7/30/17</a:t>
+              <a:t>8/13/17</a:t>
             </a:fld>
             <a:endParaRPr lang="en-US"/>
           </a:p>
@@ -656,7 +656,7 @@
             <a:fld id="{87DE6118-2437-4B30-8E3C-4D2BE6020583}" type="datetimeFigureOut">
               <a:rPr lang="en-US" dirty="0"/>
               <a:pPr/>
-              <a:t>7/30/17</a:t>
+              <a:t>8/13/17</a:t>
             </a:fld>
             <a:endParaRPr lang="en-US" dirty="0"/>
           </a:p>
@@ -982,7 +982,7 @@
           <a:p>
             <a:fld id="{87DE6118-2437-4B30-8E3C-4D2BE6020583}" type="datetimeFigureOut">
               <a:rPr lang="en-US" dirty="0"/>
-              <a:t>7/30/17</a:t>
+              <a:t>8/13/17</a:t>
             </a:fld>
             <a:endParaRPr lang="en-US" dirty="0"/>
           </a:p>
@@ -1157,7 +1157,7 @@
           <a:p>
             <a:fld id="{87DE6118-2437-4B30-8E3C-4D2BE6020583}" type="datetimeFigureOut">
               <a:rPr lang="en-US" dirty="0"/>
-              <a:t>7/30/17</a:t>
+              <a:t>8/13/17</a:t>
             </a:fld>
             <a:endParaRPr lang="en-US" dirty="0"/>
           </a:p>
@@ -1322,7 +1322,7 @@
           <a:p>
             <a:fld id="{87DE6118-2437-4B30-8E3C-4D2BE6020583}" type="datetimeFigureOut">
               <a:rPr lang="en-US" dirty="0"/>
-              <a:t>7/30/17</a:t>
+              <a:t>8/13/17</a:t>
             </a:fld>
             <a:endParaRPr lang="en-US" dirty="0"/>
           </a:p>
@@ -1595,7 +1595,7 @@
             <a:fld id="{87DE6118-2437-4B30-8E3C-4D2BE6020583}" type="datetimeFigureOut">
               <a:rPr lang="en-US" dirty="0"/>
               <a:pPr/>
-              <a:t>7/30/17</a:t>
+              <a:t>8/13/17</a:t>
             </a:fld>
             <a:endParaRPr lang="en-US" dirty="0"/>
           </a:p>
@@ -1985,7 +1985,7 @@
           <a:p>
             <a:fld id="{87DE6118-2437-4B30-8E3C-4D2BE6020583}" type="datetimeFigureOut">
               <a:rPr lang="en-US" dirty="0"/>
-              <a:t>7/30/17</a:t>
+              <a:t>8/13/17</a:t>
             </a:fld>
             <a:endParaRPr lang="en-US" dirty="0"/>
           </a:p>
@@ -2457,7 +2457,7 @@
           <a:p>
             <a:fld id="{87DE6118-2437-4B30-8E3C-4D2BE6020583}" type="datetimeFigureOut">
               <a:rPr lang="en-US" dirty="0"/>
-              <a:t>7/30/17</a:t>
+              <a:t>8/13/17</a:t>
             </a:fld>
             <a:endParaRPr lang="en-US" dirty="0"/>
           </a:p>
@@ -2570,7 +2570,7 @@
           <a:p>
             <a:fld id="{87DE6118-2437-4B30-8E3C-4D2BE6020583}" type="datetimeFigureOut">
               <a:rPr lang="en-US" dirty="0"/>
-              <a:t>7/30/17</a:t>
+              <a:t>8/13/17</a:t>
             </a:fld>
             <a:endParaRPr lang="en-US" dirty="0"/>
           </a:p>
@@ -2660,7 +2660,7 @@
           <a:p>
             <a:fld id="{87DE6118-2437-4B30-8E3C-4D2BE6020583}" type="datetimeFigureOut">
               <a:rPr lang="en-US" dirty="0"/>
-              <a:t>7/30/17</a:t>
+              <a:t>8/13/17</a:t>
             </a:fld>
             <a:endParaRPr lang="en-US" dirty="0"/>
           </a:p>
@@ -3002,7 +3002,7 @@
             <a:fld id="{87DE6118-2437-4B30-8E3C-4D2BE6020583}" type="datetimeFigureOut">
               <a:rPr lang="en-US" dirty="0"/>
               <a:pPr/>
-              <a:t>7/30/17</a:t>
+              <a:t>8/13/17</a:t>
             </a:fld>
             <a:endParaRPr lang="en-US" dirty="0"/>
           </a:p>
@@ -3387,7 +3387,7 @@
             <a:fld id="{87DE6118-2437-4B30-8E3C-4D2BE6020583}" type="datetimeFigureOut">
               <a:rPr lang="en-US" dirty="0"/>
               <a:pPr/>
-              <a:t>7/30/17</a:t>
+              <a:t>8/13/17</a:t>
             </a:fld>
             <a:endParaRPr lang="en-US" dirty="0"/>
           </a:p>
@@ -3662,7 +3662,7 @@
             <a:fld id="{87DE6118-2437-4B30-8E3C-4D2BE6020583}" type="datetimeFigureOut">
               <a:rPr lang="en-US" dirty="0"/>
               <a:pPr/>
-              <a:t>7/30/17</a:t>
+              <a:t>8/13/17</a:t>
             </a:fld>
             <a:endParaRPr lang="en-US" dirty="0"/>
           </a:p>
@@ -6864,16 +6864,13 @@
             </a:r>
           </a:p>
           <a:p>
-            <a:pPr lvl="1"/>
             <a:r>
               <a:rPr lang="en-US" dirty="0" smtClean="0"/>
-              <a:t>Session (if used)</a:t>
-            </a:r>
-          </a:p>
-          <a:p>
+              <a:t>There </a:t>
+            </a:r>
             <a:r>
               <a:rPr lang="en-US" dirty="0" smtClean="0"/>
-              <a:t>There are numerous layout selections and combinations</a:t>
+              <a:t>are numerous layout selections and combinations</a:t>
             </a:r>
           </a:p>
           <a:p>
@@ -7334,21 +7331,97 @@
           <a:p>
             <a:r>
               <a:rPr lang="en-US" dirty="0" smtClean="0"/>
-              <a:t>Three Basic Parts of the function</a:t>
-            </a:r>
-            <a:endParaRPr lang="en-US" dirty="0"/>
+              <a:t>Two </a:t>
+            </a:r>
+            <a:r>
+              <a:rPr lang="en-US" dirty="0" smtClean="0"/>
+              <a:t>Basic Parts of the function</a:t>
+            </a:r>
+            <a:endParaRPr lang="en-US" dirty="0"/>
+          </a:p>
+        </p:txBody>
+      </p:sp>
+      <p:sp>
+        <p:nvSpPr>
+          <p:cNvPr id="6" name="Content Placeholder 5"/>
+          <p:cNvSpPr>
+            <a:spLocks noGrp="1"/>
+          </p:cNvSpPr>
+          <p:nvPr>
+            <p:ph sz="half" idx="2"/>
+          </p:nvPr>
+        </p:nvSpPr>
+        <p:spPr>
+          <a:xfrm>
+            <a:off x="1371600" y="2804983"/>
+            <a:ext cx="9601589" cy="3768811"/>
+          </a:xfrm>
+        </p:spPr>
+        <p:txBody>
+          <a:bodyPr/>
+          <a:lstStyle/>
+          <a:p>
+            <a:r>
+              <a:rPr lang="en-US" b="1" dirty="0" smtClean="0"/>
+              <a:t>UI </a:t>
+            </a:r>
+            <a:r>
+              <a:rPr lang="mr-IN" b="1" dirty="0" smtClean="0"/>
+              <a:t>–</a:t>
+            </a:r>
+            <a:r>
+              <a:rPr lang="en-US" b="1" dirty="0" smtClean="0"/>
+              <a:t> User Interface</a:t>
+            </a:r>
+          </a:p>
+          <a:p>
+            <a:pPr lvl="1"/>
+            <a:r>
+              <a:rPr lang="en-US" dirty="0" smtClean="0"/>
+              <a:t>Builds the webpage</a:t>
+            </a:r>
+          </a:p>
+          <a:p>
+            <a:pPr lvl="1"/>
+            <a:r>
+              <a:rPr lang="en-US" dirty="0" smtClean="0"/>
+              <a:t>Can be done in R code OR HTML</a:t>
+            </a:r>
+          </a:p>
+          <a:p>
+            <a:r>
+              <a:rPr lang="en-US" dirty="0" smtClean="0"/>
+              <a:t>Server</a:t>
+            </a:r>
+          </a:p>
+          <a:p>
+            <a:pPr lvl="1"/>
+            <a:r>
+              <a:rPr lang="en-US" dirty="0" smtClean="0"/>
+              <a:t>Generates all reactive content</a:t>
+            </a:r>
+          </a:p>
+          <a:p>
+            <a:pPr lvl="1"/>
+            <a:r>
+              <a:rPr lang="en-US" dirty="0" smtClean="0"/>
+              <a:t>Can be used to change portions of </a:t>
+            </a:r>
+            <a:r>
+              <a:rPr lang="en-US" dirty="0" smtClean="0"/>
+              <a:t>UI</a:t>
+            </a:r>
+            <a:endParaRPr lang="en-US" dirty="0" smtClean="0"/>
           </a:p>
         </p:txBody>
       </p:sp>
       <p:pic>
         <p:nvPicPr>
-          <p:cNvPr id="7" name="Content Placeholder 6"/>
+          <p:cNvPr id="3" name="Picture 2"/>
           <p:cNvPicPr>
-            <a:picLocks noGrp="1" noChangeAspect="1"/>
+            <a:picLocks noChangeAspect="1"/>
           </p:cNvPicPr>
-          <p:nvPr>
-            <p:ph sz="half" idx="1"/>
-          </p:nvPr>
+          <p:nvPr/>
         </p:nvPicPr>
         <p:blipFill>
           <a:blip r:embed="rId2">
@@ -7364,105 +7437,14 @@
         </p:blipFill>
         <p:spPr>
           <a:xfrm>
-            <a:off x="3213366" y="1689783"/>
-            <a:ext cx="5600837" cy="617837"/>
-          </a:xfrm>
+            <a:off x="3111500" y="1676400"/>
+            <a:ext cx="3911600" cy="495300"/>
+          </a:xfrm>
+          <a:prstGeom prst="rect">
+            <a:avLst/>
+          </a:prstGeom>
         </p:spPr>
       </p:pic>
-      <p:sp>
-        <p:nvSpPr>
-          <p:cNvPr id="6" name="Content Placeholder 5"/>
-          <p:cNvSpPr>
-            <a:spLocks noGrp="1"/>
-          </p:cNvSpPr>
-          <p:nvPr>
-            <p:ph sz="half" idx="2"/>
-          </p:nvPr>
-        </p:nvSpPr>
-        <p:spPr>
-          <a:xfrm>
-            <a:off x="1371600" y="2804983"/>
-            <a:ext cx="9601589" cy="3768811"/>
-          </a:xfrm>
-        </p:spPr>
-        <p:txBody>
-          <a:bodyPr/>
-          <a:lstStyle/>
-          <a:p>
-            <a:r>
-              <a:rPr lang="en-US" b="1" dirty="0" smtClean="0"/>
-              <a:t>UI </a:t>
-            </a:r>
-            <a:r>
-              <a:rPr lang="mr-IN" b="1" dirty="0" smtClean="0"/>
-              <a:t>–</a:t>
-            </a:r>
-            <a:r>
-              <a:rPr lang="en-US" b="1" dirty="0" smtClean="0"/>
-              <a:t> User Interface</a:t>
-            </a:r>
-          </a:p>
-          <a:p>
-            <a:pPr lvl="1"/>
-            <a:r>
-              <a:rPr lang="en-US" dirty="0" smtClean="0"/>
-              <a:t>Builds the webpage</a:t>
-            </a:r>
-          </a:p>
-          <a:p>
-            <a:pPr lvl="1"/>
-            <a:r>
-              <a:rPr lang="en-US" dirty="0" smtClean="0"/>
-              <a:t>Can be done in R code OR HTML</a:t>
-            </a:r>
-          </a:p>
-          <a:p>
-            <a:r>
-              <a:rPr lang="en-US" dirty="0" smtClean="0"/>
-              <a:t>Server</a:t>
-            </a:r>
-          </a:p>
-          <a:p>
-            <a:pPr lvl="1"/>
-            <a:r>
-              <a:rPr lang="en-US" dirty="0" smtClean="0"/>
-              <a:t>Generates all reactive content</a:t>
-            </a:r>
-          </a:p>
-          <a:p>
-            <a:pPr lvl="1"/>
-            <a:r>
-              <a:rPr lang="en-US" dirty="0" smtClean="0"/>
-              <a:t>Can be used to change portions of UI</a:t>
-            </a:r>
-          </a:p>
-          <a:p>
-            <a:r>
-              <a:rPr lang="en-US" dirty="0" smtClean="0"/>
-              <a:t>Session</a:t>
-            </a:r>
-          </a:p>
-          <a:p>
-            <a:pPr lvl="1"/>
-            <a:r>
-              <a:rPr lang="en-US" dirty="0" smtClean="0"/>
-              <a:t>Used for generating messages to users</a:t>
-            </a:r>
-          </a:p>
-          <a:p>
-            <a:pPr lvl="1"/>
-            <a:r>
-              <a:rPr lang="en-US" dirty="0"/>
-              <a:t>C</a:t>
-            </a:r>
-            <a:r>
-              <a:rPr lang="en-US" dirty="0" smtClean="0"/>
-              <a:t>reating bookmark URL’s</a:t>
-            </a:r>
-            <a:endParaRPr lang="en-US" dirty="0"/>
-          </a:p>
-        </p:txBody>
-      </p:sp>
     </p:spTree>
     <p:extLst>
       <p:ext uri="{BB962C8B-B14F-4D97-AF65-F5344CB8AC3E}">
